--- a/NixCheatsheet.pptx
+++ b/NixCheatsheet.pptx
@@ -6,9 +6,10 @@
   </p:sldMasterIdLst>
   <p:sldIdLst>
     <p:sldId id="256" r:id="rId2"/>
-    <p:sldId id="257" r:id="rId3"/>
-    <p:sldId id="258" r:id="rId4"/>
-    <p:sldId id="259" r:id="rId5"/>
+    <p:sldId id="260" r:id="rId3"/>
+    <p:sldId id="257" r:id="rId4"/>
+    <p:sldId id="258" r:id="rId5"/>
+    <p:sldId id="259" r:id="rId6"/>
   </p:sldIdLst>
   <p:sldSz cx="12192000" cy="6858000"/>
   <p:notesSz cx="6858000" cy="9144000"/>
@@ -118,7 +119,7 @@
 <file path=ppt/revisionInfo.xml><?xml version="1.0" encoding="utf-8"?>
 <p1510:revInfo xmlns:a="http://schemas.openxmlformats.org/drawingml/2006/main" xmlns:r="http://schemas.openxmlformats.org/officeDocument/2006/relationships" xmlns:p1510="http://schemas.microsoft.com/office/powerpoint/2015/10/main">
   <p1510:revLst>
-    <p1510:client id="{8063B589-4539-784D-9E65-0C2964825575}" v="38" dt="2025-07-05T22:39:06.819"/>
+    <p1510:client id="{0B8C2248-C4FF-674A-848E-2DDE2361E59D}" v="6" dt="2025-12-04T17:07:29.911"/>
   </p1510:revLst>
 </p1510:revInfo>
 </file>
@@ -126,97 +127,33 @@
 <file path=ppt/changesInfos/changesInfo1.xml><?xml version="1.0" encoding="utf-8"?>
 <pc:chgInfo xmlns:a="http://schemas.openxmlformats.org/drawingml/2006/main" xmlns:r="http://schemas.openxmlformats.org/officeDocument/2006/relationships" xmlns:ac="http://schemas.microsoft.com/office/drawing/2013/main/command" xmlns:pc="http://schemas.microsoft.com/office/powerpoint/2013/main/command">
   <pc:docChgLst>
-    <pc:chgData name="McClelland, Dave J" userId="80335f38-316f-4186-be39-79101bd84ff3" providerId="ADAL" clId="{4DB91CE2-FE25-AC41-B7E7-71B7260E7152}"/>
-    <pc:docChg chg="undo custSel addSld modSld">
-      <pc:chgData name="McClelland, Dave J" userId="80335f38-316f-4186-be39-79101bd84ff3" providerId="ADAL" clId="{4DB91CE2-FE25-AC41-B7E7-71B7260E7152}" dt="2025-05-04T15:33:58.741" v="405" actId="20577"/>
+    <pc:chgData name="McClelland, Dave J" userId="80335f38-316f-4186-be39-79101bd84ff3" providerId="ADAL" clId="{012DB35F-5AFE-587D-9BB2-3A50A3E0C83A}"/>
+    <pc:docChg chg="custSel addSld modSld">
+      <pc:chgData name="McClelland, Dave J" userId="80335f38-316f-4186-be39-79101bd84ff3" providerId="ADAL" clId="{012DB35F-5AFE-587D-9BB2-3A50A3E0C83A}" dt="2025-12-04T21:06:24.281" v="146" actId="680"/>
       <pc:docMkLst>
         <pc:docMk/>
       </pc:docMkLst>
-      <pc:sldChg chg="modSp add mod">
-        <pc:chgData name="McClelland, Dave J" userId="80335f38-316f-4186-be39-79101bd84ff3" providerId="ADAL" clId="{4DB91CE2-FE25-AC41-B7E7-71B7260E7152}" dt="2025-04-24T00:57:56.827" v="226" actId="20577"/>
+      <pc:sldChg chg="modSp mod">
+        <pc:chgData name="McClelland, Dave J" userId="80335f38-316f-4186-be39-79101bd84ff3" providerId="ADAL" clId="{012DB35F-5AFE-587D-9BB2-3A50A3E0C83A}" dt="2025-12-04T17:08:25.944" v="145" actId="2711"/>
         <pc:sldMkLst>
           <pc:docMk/>
-          <pc:sldMk cId="4110669895" sldId="257"/>
+          <pc:sldMk cId="1228417620" sldId="256"/>
         </pc:sldMkLst>
-        <pc:spChg chg="mod">
-          <ac:chgData name="McClelland, Dave J" userId="80335f38-316f-4186-be39-79101bd84ff3" providerId="ADAL" clId="{4DB91CE2-FE25-AC41-B7E7-71B7260E7152}" dt="2025-04-24T00:53:28.347" v="36" actId="20577"/>
-          <ac:spMkLst>
-            <pc:docMk/>
-            <pc:sldMk cId="4110669895" sldId="257"/>
-            <ac:spMk id="5" creationId="{AC15F5A9-1B37-A55A-99D6-8014F28CF1A3}"/>
-          </ac:spMkLst>
-        </pc:spChg>
         <pc:graphicFrameChg chg="mod modGraphic">
-          <ac:chgData name="McClelland, Dave J" userId="80335f38-316f-4186-be39-79101bd84ff3" providerId="ADAL" clId="{4DB91CE2-FE25-AC41-B7E7-71B7260E7152}" dt="2025-04-24T00:57:56.827" v="226" actId="20577"/>
+          <ac:chgData name="McClelland, Dave J" userId="80335f38-316f-4186-be39-79101bd84ff3" providerId="ADAL" clId="{012DB35F-5AFE-587D-9BB2-3A50A3E0C83A}" dt="2025-12-04T17:08:25.944" v="145" actId="2711"/>
           <ac:graphicFrameMkLst>
             <pc:docMk/>
-            <pc:sldMk cId="4110669895" sldId="257"/>
-            <ac:graphicFrameMk id="4" creationId="{CEFDF352-47E9-6BC6-D2C5-0D09612BF884}"/>
+            <pc:sldMk cId="1228417620" sldId="256"/>
+            <ac:graphicFrameMk id="4" creationId="{60142BC2-77C6-E83E-FB6D-4433A2663DFD}"/>
           </ac:graphicFrameMkLst>
         </pc:graphicFrameChg>
       </pc:sldChg>
-      <pc:sldChg chg="addSp delSp modSp add mod">
-        <pc:chgData name="McClelland, Dave J" userId="80335f38-316f-4186-be39-79101bd84ff3" providerId="ADAL" clId="{4DB91CE2-FE25-AC41-B7E7-71B7260E7152}" dt="2025-05-04T15:33:58.741" v="405" actId="20577"/>
+      <pc:sldChg chg="new">
+        <pc:chgData name="McClelland, Dave J" userId="80335f38-316f-4186-be39-79101bd84ff3" providerId="ADAL" clId="{012DB35F-5AFE-587D-9BB2-3A50A3E0C83A}" dt="2025-12-04T21:06:24.281" v="146" actId="680"/>
         <pc:sldMkLst>
           <pc:docMk/>
-          <pc:sldMk cId="3173637466" sldId="258"/>
+          <pc:sldMk cId="2116695153" sldId="260"/>
         </pc:sldMkLst>
-        <pc:spChg chg="mod">
-          <ac:chgData name="McClelland, Dave J" userId="80335f38-316f-4186-be39-79101bd84ff3" providerId="ADAL" clId="{4DB91CE2-FE25-AC41-B7E7-71B7260E7152}" dt="2025-04-28T20:19:28.371" v="266" actId="14100"/>
-          <ac:spMkLst>
-            <pc:docMk/>
-            <pc:sldMk cId="3173637466" sldId="258"/>
-            <ac:spMk id="5" creationId="{7AA5E343-ED1C-D9EF-ABE6-8AA4BDE14A95}"/>
-          </ac:spMkLst>
-        </pc:spChg>
-        <pc:graphicFrameChg chg="mod modGraphic">
-          <ac:chgData name="McClelland, Dave J" userId="80335f38-316f-4186-be39-79101bd84ff3" providerId="ADAL" clId="{4DB91CE2-FE25-AC41-B7E7-71B7260E7152}" dt="2025-05-04T15:33:58.741" v="405" actId="20577"/>
-          <ac:graphicFrameMkLst>
-            <pc:docMk/>
-            <pc:sldMk cId="3173637466" sldId="258"/>
-            <ac:graphicFrameMk id="4" creationId="{5702CD46-0365-7140-1DA7-D7B5A8391280}"/>
-          </ac:graphicFrameMkLst>
-        </pc:graphicFrameChg>
-      </pc:sldChg>
-    </pc:docChg>
-  </pc:docChgLst>
-  <pc:docChgLst>
-    <pc:chgData name="McClelland, Dave J" userId="80335f38-316f-4186-be39-79101bd84ff3" providerId="ADAL" clId="{8063B589-4539-784D-9E65-0C2964825575}"/>
-    <pc:docChg chg="custSel addSld modSld">
-      <pc:chgData name="McClelland, Dave J" userId="80335f38-316f-4186-be39-79101bd84ff3" providerId="ADAL" clId="{8063B589-4539-784D-9E65-0C2964825575}" dt="2025-07-05T22:39:06.819" v="392"/>
-      <pc:docMkLst>
-        <pc:docMk/>
-      </pc:docMkLst>
-      <pc:sldChg chg="addSp modSp add mod">
-        <pc:chgData name="McClelland, Dave J" userId="80335f38-316f-4186-be39-79101bd84ff3" providerId="ADAL" clId="{8063B589-4539-784D-9E65-0C2964825575}" dt="2025-07-05T22:39:06.819" v="392"/>
-        <pc:sldMkLst>
-          <pc:docMk/>
-          <pc:sldMk cId="4079580491" sldId="259"/>
-        </pc:sldMkLst>
-        <pc:spChg chg="mod">
-          <ac:chgData name="McClelland, Dave J" userId="80335f38-316f-4186-be39-79101bd84ff3" providerId="ADAL" clId="{8063B589-4539-784D-9E65-0C2964825575}" dt="2025-07-05T22:35:23.536" v="375" actId="14100"/>
-          <ac:spMkLst>
-            <pc:docMk/>
-            <pc:sldMk cId="4079580491" sldId="259"/>
-            <ac:spMk id="5" creationId="{0A1EA293-8EA3-84F0-40EA-302FE5773674}"/>
-          </ac:spMkLst>
-        </pc:spChg>
-        <pc:graphicFrameChg chg="mod modGraphic">
-          <ac:chgData name="McClelland, Dave J" userId="80335f38-316f-4186-be39-79101bd84ff3" providerId="ADAL" clId="{8063B589-4539-784D-9E65-0C2964825575}" dt="2025-07-05T22:39:06.819" v="392"/>
-          <ac:graphicFrameMkLst>
-            <pc:docMk/>
-            <pc:sldMk cId="4079580491" sldId="259"/>
-            <ac:graphicFrameMk id="4" creationId="{D7E83734-7247-4AD3-442D-73028586D430}"/>
-          </ac:graphicFrameMkLst>
-        </pc:graphicFrameChg>
-        <pc:picChg chg="add mod">
-          <ac:chgData name="McClelland, Dave J" userId="80335f38-316f-4186-be39-79101bd84ff3" providerId="ADAL" clId="{8063B589-4539-784D-9E65-0C2964825575}" dt="2025-07-05T22:36:51.196" v="383" actId="1076"/>
-          <ac:picMkLst>
-            <pc:docMk/>
-            <pc:sldMk cId="4079580491" sldId="259"/>
-            <ac:picMk id="2" creationId="{0CDC3825-9E59-2598-ED4F-E5BCA943C711}"/>
-          </ac:picMkLst>
-        </pc:picChg>
       </pc:sldChg>
     </pc:docChg>
   </pc:docChgLst>
@@ -370,7 +307,7 @@
           <a:p>
             <a:fld id="{01BF2D97-B9A3-FD43-9FCF-4BCA598CE446}" type="datetimeFigureOut">
               <a:rPr lang="en-US" smtClean="0"/>
-              <a:t>7/5/25</a:t>
+              <a:t>12/4/25</a:t>
             </a:fld>
             <a:endParaRPr lang="en-US"/>
           </a:p>
@@ -568,7 +505,7 @@
           <a:p>
             <a:fld id="{01BF2D97-B9A3-FD43-9FCF-4BCA598CE446}" type="datetimeFigureOut">
               <a:rPr lang="en-US" smtClean="0"/>
-              <a:t>7/5/25</a:t>
+              <a:t>12/4/25</a:t>
             </a:fld>
             <a:endParaRPr lang="en-US"/>
           </a:p>
@@ -776,7 +713,7 @@
           <a:p>
             <a:fld id="{01BF2D97-B9A3-FD43-9FCF-4BCA598CE446}" type="datetimeFigureOut">
               <a:rPr lang="en-US" smtClean="0"/>
-              <a:t>7/5/25</a:t>
+              <a:t>12/4/25</a:t>
             </a:fld>
             <a:endParaRPr lang="en-US"/>
           </a:p>
@@ -974,7 +911,7 @@
           <a:p>
             <a:fld id="{01BF2D97-B9A3-FD43-9FCF-4BCA598CE446}" type="datetimeFigureOut">
               <a:rPr lang="en-US" smtClean="0"/>
-              <a:t>7/5/25</a:t>
+              <a:t>12/4/25</a:t>
             </a:fld>
             <a:endParaRPr lang="en-US"/>
           </a:p>
@@ -1249,7 +1186,7 @@
           <a:p>
             <a:fld id="{01BF2D97-B9A3-FD43-9FCF-4BCA598CE446}" type="datetimeFigureOut">
               <a:rPr lang="en-US" smtClean="0"/>
-              <a:t>7/5/25</a:t>
+              <a:t>12/4/25</a:t>
             </a:fld>
             <a:endParaRPr lang="en-US"/>
           </a:p>
@@ -1514,7 +1451,7 @@
           <a:p>
             <a:fld id="{01BF2D97-B9A3-FD43-9FCF-4BCA598CE446}" type="datetimeFigureOut">
               <a:rPr lang="en-US" smtClean="0"/>
-              <a:t>7/5/25</a:t>
+              <a:t>12/4/25</a:t>
             </a:fld>
             <a:endParaRPr lang="en-US"/>
           </a:p>
@@ -1926,7 +1863,7 @@
           <a:p>
             <a:fld id="{01BF2D97-B9A3-FD43-9FCF-4BCA598CE446}" type="datetimeFigureOut">
               <a:rPr lang="en-US" smtClean="0"/>
-              <a:t>7/5/25</a:t>
+              <a:t>12/4/25</a:t>
             </a:fld>
             <a:endParaRPr lang="en-US"/>
           </a:p>
@@ -2067,7 +2004,7 @@
           <a:p>
             <a:fld id="{01BF2D97-B9A3-FD43-9FCF-4BCA598CE446}" type="datetimeFigureOut">
               <a:rPr lang="en-US" smtClean="0"/>
-              <a:t>7/5/25</a:t>
+              <a:t>12/4/25</a:t>
             </a:fld>
             <a:endParaRPr lang="en-US"/>
           </a:p>
@@ -2180,7 +2117,7 @@
           <a:p>
             <a:fld id="{01BF2D97-B9A3-FD43-9FCF-4BCA598CE446}" type="datetimeFigureOut">
               <a:rPr lang="en-US" smtClean="0"/>
-              <a:t>7/5/25</a:t>
+              <a:t>12/4/25</a:t>
             </a:fld>
             <a:endParaRPr lang="en-US"/>
           </a:p>
@@ -2491,7 +2428,7 @@
           <a:p>
             <a:fld id="{01BF2D97-B9A3-FD43-9FCF-4BCA598CE446}" type="datetimeFigureOut">
               <a:rPr lang="en-US" smtClean="0"/>
-              <a:t>7/5/25</a:t>
+              <a:t>12/4/25</a:t>
             </a:fld>
             <a:endParaRPr lang="en-US"/>
           </a:p>
@@ -2779,7 +2716,7 @@
           <a:p>
             <a:fld id="{01BF2D97-B9A3-FD43-9FCF-4BCA598CE446}" type="datetimeFigureOut">
               <a:rPr lang="en-US" smtClean="0"/>
-              <a:t>7/5/25</a:t>
+              <a:t>12/4/25</a:t>
             </a:fld>
             <a:endParaRPr lang="en-US"/>
           </a:p>
@@ -3020,7 +2957,7 @@
           <a:p>
             <a:fld id="{01BF2D97-B9A3-FD43-9FCF-4BCA598CE446}" type="datetimeFigureOut">
               <a:rPr lang="en-US" smtClean="0"/>
-              <a:t>7/5/25</a:t>
+              <a:t>12/4/25</a:t>
             </a:fld>
             <a:endParaRPr lang="en-US"/>
           </a:p>
@@ -3452,14 +3389,14 @@
           <p:nvPr>
             <p:extLst>
               <p:ext uri="{D42A27DB-BD31-4B8C-83A1-F6EECF244321}">
-                <p14:modId xmlns:p14="http://schemas.microsoft.com/office/powerpoint/2010/main" val="2742107109"/>
+                <p14:modId xmlns:p14="http://schemas.microsoft.com/office/powerpoint/2010/main" val="3486694479"/>
               </p:ext>
             </p:extLst>
           </p:nvPr>
         </p:nvGraphicFramePr>
         <p:xfrm>
           <a:off x="2032000" y="719666"/>
-          <a:ext cx="8127999" cy="2865120"/>
+          <a:ext cx="8127999" cy="4983480"/>
         </p:xfrm>
         <a:graphic>
           <a:graphicData uri="http://schemas.openxmlformats.org/drawingml/2006/table">
@@ -3574,12 +3511,18 @@
                         <a:defRPr/>
                       </a:pPr>
                       <a:r>
-                        <a:rPr lang="en-US" dirty="0"/>
+                        <a:rPr lang="en-US" dirty="0">
+                          <a:latin typeface="Courier New" panose="02070309020205020404" pitchFamily="49" charset="0"/>
+                          <a:cs typeface="Courier New" panose="02070309020205020404" pitchFamily="49" charset="0"/>
+                        </a:rPr>
                         <a:t>Touch **/**</a:t>
                       </a:r>
                     </a:p>
                     <a:p>
-                      <a:endParaRPr lang="en-US" dirty="0"/>
+                      <a:endParaRPr lang="en-US" dirty="0">
+                        <a:latin typeface="Courier New" panose="02070309020205020404" pitchFamily="49" charset="0"/>
+                        <a:cs typeface="Courier New" panose="02070309020205020404" pitchFamily="49" charset="0"/>
+                      </a:endParaRPr>
                     </a:p>
                   </a:txBody>
                   <a:tcPr/>
@@ -3623,7 +3566,10 @@
                     <a:lstStyle/>
                     <a:p>
                       <a:r>
-                        <a:rPr lang="en-US" dirty="0"/>
+                        <a:rPr lang="en-US" dirty="0">
+                          <a:latin typeface="Courier New" panose="02070309020205020404" pitchFamily="49" charset="0"/>
+                          <a:cs typeface="Courier New" panose="02070309020205020404" pitchFamily="49" charset="0"/>
+                        </a:rPr>
                         <a:t>cd</a:t>
                       </a:r>
                     </a:p>
@@ -3666,7 +3612,10 @@
                     <a:lstStyle/>
                     <a:p>
                       <a:r>
-                        <a:rPr lang="en-US" dirty="0"/>
+                        <a:rPr lang="en-US" dirty="0">
+                          <a:latin typeface="Courier New" panose="02070309020205020404" pitchFamily="49" charset="0"/>
+                          <a:cs typeface="Courier New" panose="02070309020205020404" pitchFamily="49" charset="0"/>
+                        </a:rPr>
                         <a:t>Cd ~</a:t>
                       </a:r>
                     </a:p>
@@ -3695,17 +3644,30 @@
                     <a:bodyPr/>
                     <a:lstStyle/>
                     <a:p>
-                      <a:endParaRPr lang="en-US"/>
-                    </a:p>
-                  </a:txBody>
-                  <a:tcPr/>
-                </a:tc>
-                <a:tc>
-                  <a:txBody>
-                    <a:bodyPr/>
-                    <a:lstStyle/>
-                    <a:p>
-                      <a:endParaRPr lang="en-US"/>
+                      <a:r>
+                        <a:rPr lang="en-US" dirty="0"/>
+                        <a:t>Current folder path</a:t>
+                      </a:r>
+                    </a:p>
+                  </a:txBody>
+                  <a:tcPr/>
+                </a:tc>
+                <a:tc>
+                  <a:txBody>
+                    <a:bodyPr/>
+                    <a:lstStyle/>
+                    <a:p>
+                      <a:r>
+                        <a:rPr lang="en-US" dirty="0" err="1">
+                          <a:latin typeface="Courier New" panose="02070309020205020404" pitchFamily="49" charset="0"/>
+                          <a:cs typeface="Courier New" panose="02070309020205020404" pitchFamily="49" charset="0"/>
+                        </a:rPr>
+                        <a:t>pwd</a:t>
+                      </a:r>
+                      <a:endParaRPr lang="en-US" dirty="0">
+                        <a:latin typeface="Courier New" panose="02070309020205020404" pitchFamily="49" charset="0"/>
+                        <a:cs typeface="Courier New" panose="02070309020205020404" pitchFamily="49" charset="0"/>
+                      </a:endParaRPr>
                     </a:p>
                   </a:txBody>
                   <a:tcPr/>
@@ -3732,17 +3694,30 @@
                     <a:bodyPr/>
                     <a:lstStyle/>
                     <a:p>
-                      <a:endParaRPr lang="en-US"/>
-                    </a:p>
-                  </a:txBody>
-                  <a:tcPr/>
-                </a:tc>
-                <a:tc>
-                  <a:txBody>
-                    <a:bodyPr/>
-                    <a:lstStyle/>
-                    <a:p>
-                      <a:endParaRPr lang="en-US"/>
+                      <a:r>
+                        <a:rPr lang="en-US" dirty="0"/>
+                        <a:t>Fuzzy search</a:t>
+                      </a:r>
+                    </a:p>
+                  </a:txBody>
+                  <a:tcPr/>
+                </a:tc>
+                <a:tc>
+                  <a:txBody>
+                    <a:bodyPr/>
+                    <a:lstStyle/>
+                    <a:p>
+                      <a:r>
+                        <a:rPr lang="en-US" dirty="0" err="1">
+                          <a:latin typeface="Courier New" panose="02070309020205020404" pitchFamily="49" charset="0"/>
+                          <a:cs typeface="Courier New" panose="02070309020205020404" pitchFamily="49" charset="0"/>
+                        </a:rPr>
+                        <a:t>fzf</a:t>
+                      </a:r>
+                      <a:endParaRPr lang="en-US" dirty="0">
+                        <a:latin typeface="Courier New" panose="02070309020205020404" pitchFamily="49" charset="0"/>
+                        <a:cs typeface="Courier New" panose="02070309020205020404" pitchFamily="49" charset="0"/>
+                      </a:endParaRPr>
                     </a:p>
                   </a:txBody>
                   <a:tcPr/>
@@ -3764,27 +3739,138 @@
                 </a:extLst>
               </a:tr>
               <a:tr h="370840">
-                <a:tc>
-                  <a:txBody>
-                    <a:bodyPr/>
-                    <a:lstStyle/>
-                    <a:p>
-                      <a:endParaRPr lang="en-US"/>
-                    </a:p>
-                  </a:txBody>
-                  <a:tcPr/>
-                </a:tc>
-                <a:tc>
-                  <a:txBody>
-                    <a:bodyPr/>
-                    <a:lstStyle/>
-                    <a:p>
-                      <a:endParaRPr lang="en-US"/>
-                    </a:p>
-                  </a:txBody>
-                  <a:tcPr/>
-                </a:tc>
-                <a:tc>
+                <a:tc gridSpan="3">
+                  <a:txBody>
+                    <a:bodyPr/>
+                    <a:lstStyle/>
+                    <a:p>
+                      <a:pPr marL="0" marR="0" lvl="0" indent="0" algn="l" defTabSz="914400" rtl="0" eaLnBrk="1" fontAlgn="auto" latinLnBrk="0" hangingPunct="1">
+                        <a:lnSpc>
+                          <a:spcPct val="100000"/>
+                        </a:lnSpc>
+                        <a:spcBef>
+                          <a:spcPts val="0"/>
+                        </a:spcBef>
+                        <a:spcAft>
+                          <a:spcPts val="0"/>
+                        </a:spcAft>
+                        <a:buClrTx/>
+                        <a:buSzTx/>
+                        <a:buFontTx/>
+                        <a:buNone/>
+                        <a:tabLst/>
+                        <a:defRPr/>
+                      </a:pPr>
+                      <a:r>
+                        <a:rPr lang="en-US" sz="1200" b="0" i="0" kern="1200" dirty="0" err="1">
+                          <a:solidFill>
+                            <a:schemeClr val="dk1"/>
+                          </a:solidFill>
+                          <a:effectLst/>
+                          <a:latin typeface="Courier New" panose="02070309020205020404" pitchFamily="49" charset="0"/>
+                          <a:ea typeface="+mn-ea"/>
+                          <a:cs typeface="Courier New" panose="02070309020205020404" pitchFamily="49" charset="0"/>
+                        </a:rPr>
+                        <a:t>fzf</a:t>
+                      </a:r>
+                      <a:r>
+                        <a:rPr lang="en-US" sz="1200" b="0" i="0" kern="1200" dirty="0">
+                          <a:solidFill>
+                            <a:schemeClr val="dk1"/>
+                          </a:solidFill>
+                          <a:effectLst/>
+                          <a:latin typeface="Courier New" panose="02070309020205020404" pitchFamily="49" charset="0"/>
+                          <a:ea typeface="+mn-ea"/>
+                          <a:cs typeface="Courier New" panose="02070309020205020404" pitchFamily="49" charset="0"/>
+                        </a:rPr>
+                        <a:t> --style full \</a:t>
+                      </a:r>
+                      <a:br>
+                        <a:rPr lang="en-US" sz="1200" b="0" i="0" kern="1200" dirty="0">
+                          <a:solidFill>
+                            <a:schemeClr val="dk1"/>
+                          </a:solidFill>
+                          <a:effectLst/>
+                          <a:latin typeface="Courier New" panose="02070309020205020404" pitchFamily="49" charset="0"/>
+                          <a:ea typeface="+mn-ea"/>
+                          <a:cs typeface="Courier New" panose="02070309020205020404" pitchFamily="49" charset="0"/>
+                        </a:rPr>
+                      </a:br>
+                      <a:r>
+                        <a:rPr lang="en-US" sz="1200" b="0" i="0" kern="1200" dirty="0">
+                          <a:solidFill>
+                            <a:schemeClr val="dk1"/>
+                          </a:solidFill>
+                          <a:effectLst/>
+                          <a:latin typeface="Courier New" panose="02070309020205020404" pitchFamily="49" charset="0"/>
+                          <a:ea typeface="+mn-ea"/>
+                          <a:cs typeface="Courier New" panose="02070309020205020404" pitchFamily="49" charset="0"/>
+                        </a:rPr>
+                        <a:t>--preview '</a:t>
+                      </a:r>
+                      <a:r>
+                        <a:rPr lang="en-US" sz="1200" b="0" i="0" kern="1200" dirty="0" err="1">
+                          <a:solidFill>
+                            <a:schemeClr val="dk1"/>
+                          </a:solidFill>
+                          <a:effectLst/>
+                          <a:latin typeface="Courier New" panose="02070309020205020404" pitchFamily="49" charset="0"/>
+                          <a:ea typeface="+mn-ea"/>
+                          <a:cs typeface="Courier New" panose="02070309020205020404" pitchFamily="49" charset="0"/>
+                        </a:rPr>
+                        <a:t>fzf-preview.sh</a:t>
+                      </a:r>
+                      <a:r>
+                        <a:rPr lang="en-US" sz="1200" b="0" i="0" kern="1200" dirty="0">
+                          <a:solidFill>
+                            <a:schemeClr val="dk1"/>
+                          </a:solidFill>
+                          <a:effectLst/>
+                          <a:latin typeface="Courier New" panose="02070309020205020404" pitchFamily="49" charset="0"/>
+                          <a:ea typeface="+mn-ea"/>
+                          <a:cs typeface="Courier New" panose="02070309020205020404" pitchFamily="49" charset="0"/>
+                        </a:rPr>
+                        <a:t> {}' --bind '</a:t>
+                      </a:r>
+                      <a:r>
+                        <a:rPr lang="en-US" sz="1200" b="0" i="0" kern="1200" dirty="0" err="1">
+                          <a:solidFill>
+                            <a:schemeClr val="dk1"/>
+                          </a:solidFill>
+                          <a:effectLst/>
+                          <a:latin typeface="Courier New" panose="02070309020205020404" pitchFamily="49" charset="0"/>
+                          <a:ea typeface="+mn-ea"/>
+                          <a:cs typeface="Courier New" panose="02070309020205020404" pitchFamily="49" charset="0"/>
+                        </a:rPr>
+                        <a:t>focus:transform-header:file</a:t>
+                      </a:r>
+                      <a:r>
+                        <a:rPr lang="en-US" sz="1200" b="0" i="0" kern="1200" dirty="0">
+                          <a:solidFill>
+                            <a:schemeClr val="dk1"/>
+                          </a:solidFill>
+                          <a:effectLst/>
+                          <a:latin typeface="Courier New" panose="02070309020205020404" pitchFamily="49" charset="0"/>
+                          <a:ea typeface="+mn-ea"/>
+                          <a:cs typeface="Courier New" panose="02070309020205020404" pitchFamily="49" charset="0"/>
+                        </a:rPr>
+                        <a:t> --brief {}'</a:t>
+                      </a:r>
+                    </a:p>
+                  </a:txBody>
+                  <a:tcPr/>
+                </a:tc>
+                <a:tc hMerge="1">
+                  <a:txBody>
+                    <a:bodyPr/>
+                    <a:lstStyle/>
+                    <a:p>
+                      <a:endParaRPr lang="en-US" dirty="0"/>
+                    </a:p>
+                  </a:txBody>
+                  <a:tcPr/>
+                </a:tc>
+                <a:tc hMerge="1">
                   <a:txBody>
                     <a:bodyPr/>
                     <a:lstStyle/>
@@ -3797,6 +3883,405 @@
                 <a:extLst>
                   <a:ext uri="{0D108BD9-81ED-4DB2-BD59-A6C34878D82A}">
                     <a16:rowId xmlns:a16="http://schemas.microsoft.com/office/drawing/2014/main" val="3597060768"/>
+                  </a:ext>
+                </a:extLst>
+              </a:tr>
+              <a:tr h="370840">
+                <a:tc>
+                  <a:txBody>
+                    <a:bodyPr/>
+                    <a:lstStyle/>
+                    <a:p>
+                      <a:r>
+                        <a:rPr lang="en-US" dirty="0" err="1">
+                          <a:latin typeface="Courier New" panose="02070309020205020404" pitchFamily="49" charset="0"/>
+                          <a:cs typeface="Courier New" panose="02070309020205020404" pitchFamily="49" charset="0"/>
+                        </a:rPr>
+                        <a:t>tldr</a:t>
+                      </a:r>
+                      <a:r>
+                        <a:rPr lang="en-US" dirty="0"/>
+                        <a:t> is </a:t>
+                      </a:r>
+                      <a:r>
+                        <a:rPr lang="en-US" dirty="0">
+                          <a:latin typeface="Courier New" panose="02070309020205020404" pitchFamily="49" charset="0"/>
+                          <a:cs typeface="Courier New" panose="02070309020205020404" pitchFamily="49" charset="0"/>
+                        </a:rPr>
+                        <a:t>man</a:t>
+                      </a:r>
+                      <a:r>
+                        <a:rPr lang="en-US" dirty="0"/>
+                        <a:t> on a diet</a:t>
+                      </a:r>
+                    </a:p>
+                  </a:txBody>
+                  <a:tcPr/>
+                </a:tc>
+                <a:tc>
+                  <a:txBody>
+                    <a:bodyPr/>
+                    <a:lstStyle/>
+                    <a:p>
+                      <a:endParaRPr lang="en-US"/>
+                    </a:p>
+                  </a:txBody>
+                  <a:tcPr/>
+                </a:tc>
+                <a:tc>
+                  <a:txBody>
+                    <a:bodyPr/>
+                    <a:lstStyle/>
+                    <a:p>
+                      <a:endParaRPr lang="en-US" dirty="0"/>
+                    </a:p>
+                  </a:txBody>
+                  <a:tcPr/>
+                </a:tc>
+                <a:extLst>
+                  <a:ext uri="{0D108BD9-81ED-4DB2-BD59-A6C34878D82A}">
+                    <a16:rowId xmlns:a16="http://schemas.microsoft.com/office/drawing/2014/main" val="3102738271"/>
+                  </a:ext>
+                </a:extLst>
+              </a:tr>
+              <a:tr h="370840">
+                <a:tc>
+                  <a:txBody>
+                    <a:bodyPr/>
+                    <a:lstStyle/>
+                    <a:p>
+                      <a:pPr marL="0" marR="0" lvl="0" indent="0" algn="l" defTabSz="914400" rtl="0" eaLnBrk="1" fontAlgn="auto" latinLnBrk="0" hangingPunct="1">
+                        <a:lnSpc>
+                          <a:spcPct val="100000"/>
+                        </a:lnSpc>
+                        <a:spcBef>
+                          <a:spcPts val="0"/>
+                        </a:spcBef>
+                        <a:spcAft>
+                          <a:spcPts val="0"/>
+                        </a:spcAft>
+                        <a:buClrTx/>
+                        <a:buSzTx/>
+                        <a:buFontTx/>
+                        <a:buNone/>
+                        <a:tabLst/>
+                        <a:defRPr/>
+                      </a:pPr>
+                      <a:r>
+                        <a:rPr lang="en-US" sz="1800" b="0" i="0" kern="1200" dirty="0">
+                          <a:solidFill>
+                            <a:schemeClr val="dk1"/>
+                          </a:solidFill>
+                          <a:effectLst/>
+                          <a:latin typeface="+mn-lt"/>
+                          <a:ea typeface="+mn-ea"/>
+                          <a:cs typeface="Courier New" panose="02070309020205020404" pitchFamily="49" charset="0"/>
+                        </a:rPr>
+                        <a:t>Alias: </a:t>
+                      </a:r>
+                      <a:r>
+                        <a:rPr lang="en-US" sz="1200" b="0" i="0" kern="1200" dirty="0">
+                          <a:solidFill>
+                            <a:schemeClr val="dk1"/>
+                          </a:solidFill>
+                          <a:effectLst/>
+                          <a:latin typeface="+mn-lt"/>
+                          <a:ea typeface="+mn-ea"/>
+                          <a:cs typeface="+mn-cs"/>
+                        </a:rPr>
+                        <a:t>aliases aren't persistent by default, and you'll need to add them to your shell's configuration file</a:t>
+                      </a:r>
+                      <a:endParaRPr lang="en-US" sz="1200" dirty="0">
+                        <a:latin typeface="+mn-lt"/>
+                      </a:endParaRPr>
+                    </a:p>
+                  </a:txBody>
+                  <a:tcPr/>
+                </a:tc>
+                <a:tc>
+                  <a:txBody>
+                    <a:bodyPr/>
+                    <a:lstStyle/>
+                    <a:p>
+                      <a:r>
+                        <a:rPr lang="en-US" dirty="0">
+                          <a:latin typeface="Courier New" panose="02070309020205020404" pitchFamily="49" charset="0"/>
+                          <a:cs typeface="Courier New" panose="02070309020205020404" pitchFamily="49" charset="0"/>
+                        </a:rPr>
+                        <a:t>alias</a:t>
+                      </a:r>
+                    </a:p>
+                  </a:txBody>
+                  <a:tcPr/>
+                </a:tc>
+                <a:tc>
+                  <a:txBody>
+                    <a:bodyPr/>
+                    <a:lstStyle/>
+                    <a:p>
+                      <a:endParaRPr lang="en-US" dirty="0"/>
+                    </a:p>
+                  </a:txBody>
+                  <a:tcPr/>
+                </a:tc>
+                <a:extLst>
+                  <a:ext uri="{0D108BD9-81ED-4DB2-BD59-A6C34878D82A}">
+                    <a16:rowId xmlns:a16="http://schemas.microsoft.com/office/drawing/2014/main" val="824582868"/>
+                  </a:ext>
+                </a:extLst>
+              </a:tr>
+              <a:tr h="370840">
+                <a:tc gridSpan="3">
+                  <a:txBody>
+                    <a:bodyPr/>
+                    <a:lstStyle/>
+                    <a:p>
+                      <a:pPr marL="0" marR="0" lvl="0" indent="0" algn="l" defTabSz="914400" rtl="0" eaLnBrk="1" fontAlgn="auto" latinLnBrk="0" hangingPunct="1">
+                        <a:lnSpc>
+                          <a:spcPct val="100000"/>
+                        </a:lnSpc>
+                        <a:spcBef>
+                          <a:spcPts val="0"/>
+                        </a:spcBef>
+                        <a:spcAft>
+                          <a:spcPts val="0"/>
+                        </a:spcAft>
+                        <a:buClrTx/>
+                        <a:buSzTx/>
+                        <a:buFontTx/>
+                        <a:buNone/>
+                        <a:tabLst/>
+                        <a:defRPr/>
+                      </a:pPr>
+                      <a:r>
+                        <a:rPr lang="en-US" sz="1800" b="0" i="0" kern="1200" dirty="0">
+                          <a:solidFill>
+                            <a:schemeClr val="dk1"/>
+                          </a:solidFill>
+                          <a:effectLst/>
+                          <a:latin typeface="Courier New" panose="02070309020205020404" pitchFamily="49" charset="0"/>
+                          <a:ea typeface="+mn-ea"/>
+                          <a:cs typeface="Courier New" panose="02070309020205020404" pitchFamily="49" charset="0"/>
+                        </a:rPr>
+                        <a:t>update = "</a:t>
+                      </a:r>
+                      <a:r>
+                        <a:rPr lang="en-US" sz="1800" b="0" i="0" kern="1200" dirty="0" err="1">
+                          <a:solidFill>
+                            <a:schemeClr val="dk1"/>
+                          </a:solidFill>
+                          <a:effectLst/>
+                          <a:latin typeface="Courier New" panose="02070309020205020404" pitchFamily="49" charset="0"/>
+                          <a:ea typeface="+mn-ea"/>
+                          <a:cs typeface="Courier New" panose="02070309020205020404" pitchFamily="49" charset="0"/>
+                        </a:rPr>
+                        <a:t>sudo</a:t>
+                      </a:r>
+                      <a:r>
+                        <a:rPr lang="en-US" sz="1800" b="0" i="0" kern="1200" dirty="0">
+                          <a:solidFill>
+                            <a:schemeClr val="dk1"/>
+                          </a:solidFill>
+                          <a:effectLst/>
+                          <a:latin typeface="Courier New" panose="02070309020205020404" pitchFamily="49" charset="0"/>
+                          <a:ea typeface="+mn-ea"/>
+                          <a:cs typeface="Courier New" panose="02070309020205020404" pitchFamily="49" charset="0"/>
+                        </a:rPr>
+                        <a:t> apt update &amp;&amp; </a:t>
+                      </a:r>
+                      <a:r>
+                        <a:rPr lang="en-US" sz="1800" b="0" i="0" kern="1200" dirty="0" err="1">
+                          <a:solidFill>
+                            <a:schemeClr val="dk1"/>
+                          </a:solidFill>
+                          <a:effectLst/>
+                          <a:latin typeface="Courier New" panose="02070309020205020404" pitchFamily="49" charset="0"/>
+                          <a:ea typeface="+mn-ea"/>
+                          <a:cs typeface="Courier New" panose="02070309020205020404" pitchFamily="49" charset="0"/>
+                        </a:rPr>
+                        <a:t>sudo</a:t>
+                      </a:r>
+                      <a:r>
+                        <a:rPr lang="en-US" sz="1800" b="0" i="0" kern="1200" dirty="0">
+                          <a:solidFill>
+                            <a:schemeClr val="dk1"/>
+                          </a:solidFill>
+                          <a:effectLst/>
+                          <a:latin typeface="Courier New" panose="02070309020205020404" pitchFamily="49" charset="0"/>
+                          <a:ea typeface="+mn-ea"/>
+                          <a:cs typeface="Courier New" panose="02070309020205020404" pitchFamily="49" charset="0"/>
+                        </a:rPr>
+                        <a:t> apt upgrade -y"</a:t>
+                      </a:r>
+                    </a:p>
+                  </a:txBody>
+                  <a:tcPr/>
+                </a:tc>
+                <a:tc hMerge="1">
+                  <a:txBody>
+                    <a:bodyPr/>
+                    <a:lstStyle/>
+                    <a:p>
+                      <a:endParaRPr lang="en-US"/>
+                    </a:p>
+                  </a:txBody>
+                  <a:tcPr/>
+                </a:tc>
+                <a:tc hMerge="1">
+                  <a:txBody>
+                    <a:bodyPr/>
+                    <a:lstStyle/>
+                    <a:p>
+                      <a:endParaRPr lang="en-US" dirty="0"/>
+                    </a:p>
+                  </a:txBody>
+                  <a:tcPr/>
+                </a:tc>
+                <a:extLst>
+                  <a:ext uri="{0D108BD9-81ED-4DB2-BD59-A6C34878D82A}">
+                    <a16:rowId xmlns:a16="http://schemas.microsoft.com/office/drawing/2014/main" val="1771276803"/>
+                  </a:ext>
+                </a:extLst>
+              </a:tr>
+              <a:tr h="370840">
+                <a:tc>
+                  <a:txBody>
+                    <a:bodyPr/>
+                    <a:lstStyle/>
+                    <a:p>
+                      <a:r>
+                        <a:rPr lang="en-US" dirty="0" err="1"/>
+                        <a:t>Systemd</a:t>
+                      </a:r>
+                      <a:r>
+                        <a:rPr lang="en-US" dirty="0"/>
+                        <a:t>: startup information</a:t>
+                      </a:r>
+                    </a:p>
+                  </a:txBody>
+                  <a:tcPr/>
+                </a:tc>
+                <a:tc gridSpan="2">
+                  <a:txBody>
+                    <a:bodyPr/>
+                    <a:lstStyle/>
+                    <a:p>
+                      <a:pPr marL="0" marR="0" lvl="0" indent="0" algn="l" defTabSz="914400" rtl="0" eaLnBrk="1" fontAlgn="auto" latinLnBrk="0" hangingPunct="1">
+                        <a:lnSpc>
+                          <a:spcPct val="100000"/>
+                        </a:lnSpc>
+                        <a:spcBef>
+                          <a:spcPts val="0"/>
+                        </a:spcBef>
+                        <a:spcAft>
+                          <a:spcPts val="0"/>
+                        </a:spcAft>
+                        <a:buClrTx/>
+                        <a:buSzTx/>
+                        <a:buFontTx/>
+                        <a:buNone/>
+                        <a:tabLst/>
+                        <a:defRPr/>
+                      </a:pPr>
+                      <a:r>
+                        <a:rPr lang="en-US" sz="1400" b="0" i="0" kern="1200" dirty="0" err="1">
+                          <a:solidFill>
+                            <a:schemeClr val="dk1"/>
+                          </a:solidFill>
+                          <a:effectLst/>
+                          <a:latin typeface="Consolas" panose="020B0609020204030204" pitchFamily="49" charset="0"/>
+                          <a:ea typeface="+mn-ea"/>
+                          <a:cs typeface="Consolas" panose="020B0609020204030204" pitchFamily="49" charset="0"/>
+                        </a:rPr>
+                        <a:t>systemd</a:t>
+                      </a:r>
+                      <a:r>
+                        <a:rPr lang="en-US" sz="1400" b="0" i="0" kern="1200" dirty="0">
+                          <a:solidFill>
+                            <a:schemeClr val="dk1"/>
+                          </a:solidFill>
+                          <a:effectLst/>
+                          <a:latin typeface="Consolas" panose="020B0609020204030204" pitchFamily="49" charset="0"/>
+                          <a:ea typeface="+mn-ea"/>
+                          <a:cs typeface="Consolas" panose="020B0609020204030204" pitchFamily="49" charset="0"/>
+                        </a:rPr>
+                        <a:t>-analyze plot &gt; </a:t>
+                      </a:r>
+                      <a:r>
+                        <a:rPr lang="en-US" sz="1400" b="0" i="0" kern="1200" dirty="0" err="1">
+                          <a:solidFill>
+                            <a:schemeClr val="dk1"/>
+                          </a:solidFill>
+                          <a:effectLst/>
+                          <a:latin typeface="Consolas" panose="020B0609020204030204" pitchFamily="49" charset="0"/>
+                          <a:ea typeface="+mn-ea"/>
+                          <a:cs typeface="Consolas" panose="020B0609020204030204" pitchFamily="49" charset="0"/>
+                        </a:rPr>
+                        <a:t>bootanalysis.png</a:t>
+                      </a:r>
+                      <a:endParaRPr lang="en-US" sz="1400" b="0" i="0" kern="1200" dirty="0">
+                        <a:solidFill>
+                          <a:schemeClr val="dk1"/>
+                        </a:solidFill>
+                        <a:effectLst/>
+                        <a:latin typeface="Consolas" panose="020B0609020204030204" pitchFamily="49" charset="0"/>
+                        <a:ea typeface="+mn-ea"/>
+                        <a:cs typeface="Consolas" panose="020B0609020204030204" pitchFamily="49" charset="0"/>
+                      </a:endParaRPr>
+                    </a:p>
+                  </a:txBody>
+                  <a:tcPr/>
+                </a:tc>
+                <a:tc hMerge="1">
+                  <a:txBody>
+                    <a:bodyPr/>
+                    <a:lstStyle/>
+                    <a:p>
+                      <a:endParaRPr lang="en-US" dirty="0"/>
+                    </a:p>
+                  </a:txBody>
+                  <a:tcPr/>
+                </a:tc>
+                <a:extLst>
+                  <a:ext uri="{0D108BD9-81ED-4DB2-BD59-A6C34878D82A}">
+                    <a16:rowId xmlns:a16="http://schemas.microsoft.com/office/drawing/2014/main" val="1886389198"/>
+                  </a:ext>
+                </a:extLst>
+              </a:tr>
+              <a:tr h="370840">
+                <a:tc>
+                  <a:txBody>
+                    <a:bodyPr/>
+                    <a:lstStyle/>
+                    <a:p>
+                      <a:endParaRPr lang="en-US" dirty="0"/>
+                    </a:p>
+                  </a:txBody>
+                  <a:tcPr/>
+                </a:tc>
+                <a:tc>
+                  <a:txBody>
+                    <a:bodyPr/>
+                    <a:lstStyle/>
+                    <a:p>
+                      <a:endParaRPr lang="en-US"/>
+                    </a:p>
+                  </a:txBody>
+                  <a:tcPr/>
+                </a:tc>
+                <a:tc>
+                  <a:txBody>
+                    <a:bodyPr/>
+                    <a:lstStyle/>
+                    <a:p>
+                      <a:endParaRPr lang="en-US" dirty="0"/>
+                    </a:p>
+                  </a:txBody>
+                  <a:tcPr/>
+                </a:tc>
+                <a:extLst>
+                  <a:ext uri="{0D108BD9-81ED-4DB2-BD59-A6C34878D82A}">
+                    <a16:rowId xmlns:a16="http://schemas.microsoft.com/office/drawing/2014/main" val="2099747753"/>
                   </a:ext>
                 </a:extLst>
               </a:tr>
@@ -3853,6 +4338,86 @@
 </file>
 
 <file path=ppt/slides/slide2.xml><?xml version="1.0" encoding="utf-8"?>
+<p:sld xmlns:a="http://schemas.openxmlformats.org/drawingml/2006/main" xmlns:r="http://schemas.openxmlformats.org/officeDocument/2006/relationships" xmlns:p="http://schemas.openxmlformats.org/presentationml/2006/main">
+  <p:cSld>
+    <p:spTree>
+      <p:nvGrpSpPr>
+        <p:cNvPr id="1" name=""/>
+        <p:cNvGrpSpPr/>
+        <p:nvPr/>
+      </p:nvGrpSpPr>
+      <p:grpSpPr>
+        <a:xfrm>
+          <a:off x="0" y="0"/>
+          <a:ext cx="0" cy="0"/>
+          <a:chOff x="0" y="0"/>
+          <a:chExt cx="0" cy="0"/>
+        </a:xfrm>
+      </p:grpSpPr>
+      <p:sp>
+        <p:nvSpPr>
+          <p:cNvPr id="2" name="Title 1">
+            <a:extLst>
+              <a:ext uri="{FF2B5EF4-FFF2-40B4-BE49-F238E27FC236}">
+                <a16:creationId xmlns:a16="http://schemas.microsoft.com/office/drawing/2014/main" id="{E42D0BF0-D84C-4AAF-D6BA-ABCBDA334F38}"/>
+              </a:ext>
+            </a:extLst>
+          </p:cNvPr>
+          <p:cNvSpPr>
+            <a:spLocks noGrp="1"/>
+          </p:cNvSpPr>
+          <p:nvPr>
+            <p:ph type="title"/>
+          </p:nvPr>
+        </p:nvSpPr>
+        <p:spPr/>
+        <p:txBody>
+          <a:bodyPr/>
+          <a:lstStyle/>
+          <a:p>
+            <a:endParaRPr lang="en-US"/>
+          </a:p>
+        </p:txBody>
+      </p:sp>
+      <p:sp>
+        <p:nvSpPr>
+          <p:cNvPr id="3" name="Content Placeholder 2">
+            <a:extLst>
+              <a:ext uri="{FF2B5EF4-FFF2-40B4-BE49-F238E27FC236}">
+                <a16:creationId xmlns:a16="http://schemas.microsoft.com/office/drawing/2014/main" id="{A5492454-3248-3425-68F5-67D458500527}"/>
+              </a:ext>
+            </a:extLst>
+          </p:cNvPr>
+          <p:cNvSpPr>
+            <a:spLocks noGrp="1"/>
+          </p:cNvSpPr>
+          <p:nvPr>
+            <p:ph idx="1"/>
+          </p:nvPr>
+        </p:nvSpPr>
+        <p:spPr/>
+        <p:txBody>
+          <a:bodyPr/>
+          <a:lstStyle/>
+          <a:p>
+            <a:endParaRPr lang="en-US"/>
+          </a:p>
+        </p:txBody>
+      </p:sp>
+    </p:spTree>
+    <p:extLst>
+      <p:ext uri="{BB962C8B-B14F-4D97-AF65-F5344CB8AC3E}">
+        <p14:creationId xmlns:p14="http://schemas.microsoft.com/office/powerpoint/2010/main" val="2116695153"/>
+      </p:ext>
+    </p:extLst>
+  </p:cSld>
+  <p:clrMapOvr>
+    <a:masterClrMapping/>
+  </p:clrMapOvr>
+</p:sld>
+</file>
+
+<file path=ppt/slides/slide3.xml><?xml version="1.0" encoding="utf-8"?>
 <p:sld xmlns:a="http://schemas.openxmlformats.org/drawingml/2006/main" xmlns:r="http://schemas.openxmlformats.org/officeDocument/2006/relationships" xmlns:p="http://schemas.openxmlformats.org/presentationml/2006/main">
   <p:cSld>
     <p:spTree>
@@ -4435,7 +5000,7 @@
 </p:sld>
 </file>
 
-<file path=ppt/slides/slide3.xml><?xml version="1.0" encoding="utf-8"?>
+<file path=ppt/slides/slide4.xml><?xml version="1.0" encoding="utf-8"?>
 <p:sld xmlns:a="http://schemas.openxmlformats.org/drawingml/2006/main" xmlns:r="http://schemas.openxmlformats.org/officeDocument/2006/relationships" xmlns:p="http://schemas.openxmlformats.org/presentationml/2006/main">
   <p:cSld>
     <p:spTree>
@@ -5138,7 +5703,7 @@
 </p:sld>
 </file>
 
-<file path=ppt/slides/slide4.xml><?xml version="1.0" encoding="utf-8"?>
+<file path=ppt/slides/slide5.xml><?xml version="1.0" encoding="utf-8"?>
 <p:sld xmlns:a="http://schemas.openxmlformats.org/drawingml/2006/main" xmlns:r="http://schemas.openxmlformats.org/officeDocument/2006/relationships" xmlns:p="http://schemas.openxmlformats.org/presentationml/2006/main">
   <p:cSld>
     <p:spTree>
